--- a/PPT/11 Saca partido de la Inteligencia Artificial integrada en gráficos de Power BI.pptx
+++ b/PPT/11 Saca partido de la Inteligencia Artificial integrada en gráficos de Power BI.pptx
@@ -195,7 +195,7 @@
 <file path=ppt/revisionInfo.xml><?xml version="1.0" encoding="utf-8"?>
 <p1510:revInfo xmlns:a="http://schemas.openxmlformats.org/drawingml/2006/main" xmlns:r="http://schemas.openxmlformats.org/officeDocument/2006/relationships" xmlns:p1510="http://schemas.microsoft.com/office/powerpoint/2015/10/main">
   <p1510:revLst>
-    <p1510:client id="{3A6A6F07-5EE8-4773-8AAC-F3B2764F0AE3}" v="1" dt="2021-01-10T15:25:43.018"/>
+    <p1510:client id="{3A6A6F07-5EE8-4773-8AAC-F3B2764F0AE3}" v="4" dt="2021-01-10T20:13:39.920"/>
   </p1510:revLst>
 </p1510:revInfo>
 </file>
@@ -204,8 +204,8 @@
 <pc:chgInfo xmlns:a="http://schemas.openxmlformats.org/drawingml/2006/main" xmlns:r="http://schemas.openxmlformats.org/officeDocument/2006/relationships" xmlns:ac="http://schemas.microsoft.com/office/drawing/2013/main/command" xmlns:pc="http://schemas.microsoft.com/office/powerpoint/2013/main/command">
   <pc:docChgLst>
     <pc:chgData name="Roberto Tejero" userId="df99c9947d6af889" providerId="LiveId" clId="{3A6A6F07-5EE8-4773-8AAC-F3B2764F0AE3}"/>
-    <pc:docChg chg="addSld delSld modSld modSection">
-      <pc:chgData name="Roberto Tejero" userId="df99c9947d6af889" providerId="LiveId" clId="{3A6A6F07-5EE8-4773-8AAC-F3B2764F0AE3}" dt="2021-01-10T15:25:46.011" v="2" actId="47"/>
+    <pc:docChg chg="custSel addSld delSld modSld modSection">
+      <pc:chgData name="Roberto Tejero" userId="df99c9947d6af889" providerId="LiveId" clId="{3A6A6F07-5EE8-4773-8AAC-F3B2764F0AE3}" dt="2021-01-10T20:14:28.083" v="209" actId="20577"/>
       <pc:docMkLst>
         <pc:docMk/>
       </pc:docMkLst>
@@ -223,12 +223,91 @@
           <pc:sldMk cId="124482935" sldId="2076136261"/>
         </pc:sldMkLst>
       </pc:sldChg>
-      <pc:sldChg chg="add">
-        <pc:chgData name="Roberto Tejero" userId="df99c9947d6af889" providerId="LiveId" clId="{3A6A6F07-5EE8-4773-8AAC-F3B2764F0AE3}" dt="2021-01-10T15:25:43.013" v="0"/>
+      <pc:sldChg chg="delSp modSp mod">
+        <pc:chgData name="Roberto Tejero" userId="df99c9947d6af889" providerId="LiveId" clId="{3A6A6F07-5EE8-4773-8AAC-F3B2764F0AE3}" dt="2021-01-10T20:14:28.083" v="209" actId="20577"/>
+        <pc:sldMkLst>
+          <pc:docMk/>
+          <pc:sldMk cId="4095216866" sldId="2076136262"/>
+        </pc:sldMkLst>
+        <pc:spChg chg="mod">
+          <ac:chgData name="Roberto Tejero" userId="df99c9947d6af889" providerId="LiveId" clId="{3A6A6F07-5EE8-4773-8AAC-F3B2764F0AE3}" dt="2021-01-10T20:14:22.022" v="189"/>
+          <ac:spMkLst>
+            <pc:docMk/>
+            <pc:sldMk cId="4095216866" sldId="2076136262"/>
+            <ac:spMk id="2" creationId="{0626A76E-B9E1-43DE-894F-7F636E821576}"/>
+          </ac:spMkLst>
+        </pc:spChg>
+        <pc:spChg chg="mod">
+          <ac:chgData name="Roberto Tejero" userId="df99c9947d6af889" providerId="LiveId" clId="{3A6A6F07-5EE8-4773-8AAC-F3B2764F0AE3}" dt="2021-01-10T20:14:28.083" v="209" actId="20577"/>
+          <ac:spMkLst>
+            <pc:docMk/>
+            <pc:sldMk cId="4095216866" sldId="2076136262"/>
+            <ac:spMk id="3" creationId="{CE7F95F9-74E0-445F-A3BF-CDBCBC1B21DE}"/>
+          </ac:spMkLst>
+        </pc:spChg>
+        <pc:spChg chg="mod">
+          <ac:chgData name="Roberto Tejero" userId="df99c9947d6af889" providerId="LiveId" clId="{3A6A6F07-5EE8-4773-8AAC-F3B2764F0AE3}" dt="2021-01-10T20:14:06.757" v="186"/>
+          <ac:spMkLst>
+            <pc:docMk/>
+            <pc:sldMk cId="4095216866" sldId="2076136262"/>
+            <ac:spMk id="5" creationId="{087C93F1-B345-43F6-88F9-A852BDE767E4}"/>
+          </ac:spMkLst>
+        </pc:spChg>
+        <pc:spChg chg="del">
+          <ac:chgData name="Roberto Tejero" userId="df99c9947d6af889" providerId="LiveId" clId="{3A6A6F07-5EE8-4773-8AAC-F3B2764F0AE3}" dt="2021-01-10T20:14:09.957" v="187" actId="478"/>
+          <ac:spMkLst>
+            <pc:docMk/>
+            <pc:sldMk cId="4095216866" sldId="2076136262"/>
+            <ac:spMk id="7" creationId="{8EF35D44-2C5B-40E9-B454-F56774A87418}"/>
+          </ac:spMkLst>
+        </pc:spChg>
+        <pc:spChg chg="del">
+          <ac:chgData name="Roberto Tejero" userId="df99c9947d6af889" providerId="LiveId" clId="{3A6A6F07-5EE8-4773-8AAC-F3B2764F0AE3}" dt="2021-01-10T20:14:12.163" v="188" actId="478"/>
+          <ac:spMkLst>
+            <pc:docMk/>
+            <pc:sldMk cId="4095216866" sldId="2076136262"/>
+            <ac:spMk id="8" creationId="{B5A653BA-DCA7-4396-B752-FF12285E0B37}"/>
+          </ac:spMkLst>
+        </pc:spChg>
+      </pc:sldChg>
+      <pc:sldChg chg="addSp delSp modSp add mod">
+        <pc:chgData name="Roberto Tejero" userId="df99c9947d6af889" providerId="LiveId" clId="{3A6A6F07-5EE8-4773-8AAC-F3B2764F0AE3}" dt="2021-01-10T20:13:58.667" v="185" actId="20577"/>
         <pc:sldMkLst>
           <pc:docMk/>
           <pc:sldMk cId="3551620090" sldId="2076136263"/>
         </pc:sldMkLst>
+        <pc:spChg chg="add del">
+          <ac:chgData name="Roberto Tejero" userId="df99c9947d6af889" providerId="LiveId" clId="{3A6A6F07-5EE8-4773-8AAC-F3B2764F0AE3}" dt="2021-01-10T20:13:36.642" v="146"/>
+          <ac:spMkLst>
+            <pc:docMk/>
+            <pc:sldMk cId="3551620090" sldId="2076136263"/>
+            <ac:spMk id="2" creationId="{4FA6955A-EB8B-4A74-96EA-FE99638B3A5D}"/>
+          </ac:spMkLst>
+        </pc:spChg>
+        <pc:spChg chg="mod">
+          <ac:chgData name="Roberto Tejero" userId="df99c9947d6af889" providerId="LiveId" clId="{3A6A6F07-5EE8-4773-8AAC-F3B2764F0AE3}" dt="2021-01-10T20:13:14.392" v="78" actId="20577"/>
+          <ac:spMkLst>
+            <pc:docMk/>
+            <pc:sldMk cId="3551620090" sldId="2076136263"/>
+            <ac:spMk id="6" creationId="{155300A5-3509-42AD-8CEF-6590A562B1E5}"/>
+          </ac:spMkLst>
+        </pc:spChg>
+        <pc:spChg chg="mod">
+          <ac:chgData name="Roberto Tejero" userId="df99c9947d6af889" providerId="LiveId" clId="{3A6A6F07-5EE8-4773-8AAC-F3B2764F0AE3}" dt="2021-01-10T20:13:22.027" v="98" actId="20577"/>
+          <ac:spMkLst>
+            <pc:docMk/>
+            <pc:sldMk cId="3551620090" sldId="2076136263"/>
+            <ac:spMk id="7" creationId="{69511D55-34D4-45A0-8602-117128967C6C}"/>
+          </ac:spMkLst>
+        </pc:spChg>
+        <pc:spChg chg="mod">
+          <ac:chgData name="Roberto Tejero" userId="df99c9947d6af889" providerId="LiveId" clId="{3A6A6F07-5EE8-4773-8AAC-F3B2764F0AE3}" dt="2021-01-10T20:13:58.667" v="185" actId="20577"/>
+          <ac:spMkLst>
+            <pc:docMk/>
+            <pc:sldMk cId="3551620090" sldId="2076136263"/>
+            <ac:spMk id="9" creationId="{45C40D03-0ACA-4055-8A76-253AAF2DB6F5}"/>
+          </ac:spMkLst>
+        </pc:spChg>
       </pc:sldChg>
     </pc:docChg>
   </pc:docChgLst>
@@ -321,7 +400,7 @@
               <a:rPr lang="en-US" smtClean="0">
                 <a:latin typeface="Segoe UI" pitchFamily="34" charset="0"/>
               </a:rPr>
-              <a:t>1/10/2021 4:25 PM</a:t>
+              <a:t>1/10/2021 9:13 PM</a:t>
             </a:fld>
             <a:endParaRPr lang="en-US">
               <a:latin typeface="Segoe UI" pitchFamily="34" charset="0"/>
@@ -599,7 +678,7 @@
           <a:p>
             <a:fld id="{386CE63F-9E7F-4C04-9D0D-FCA25A8E9E86}" type="datetime8">
               <a:rPr lang="en-US" smtClean="0"/>
-              <a:t>1/10/2021 4:25 PM</a:t>
+              <a:t>1/10/2021 9:11 PM</a:t>
             </a:fld>
             <a:endParaRPr lang="en-US"/>
           </a:p>
@@ -43033,8 +43112,8 @@
         </p:nvSpPr>
         <p:spPr>
           <a:xfrm>
-            <a:off x="584196" y="2138411"/>
-            <a:ext cx="4956705" cy="1107996"/>
+            <a:off x="584196" y="1030416"/>
+            <a:ext cx="4956705" cy="2215991"/>
           </a:xfrm>
         </p:spPr>
         <p:txBody>
@@ -43043,13 +43122,16 @@
           <a:p>
             <a:r>
               <a:rPr lang="es-ES" dirty="0"/>
-              <a:t>Inteligencia artificial en </a:t>
+              <a:t>Saca partido de la Inteligencia Artificial integrada en gráficos de </a:t>
             </a:r>
             <a:r>
               <a:rPr lang="es-ES" dirty="0" err="1"/>
-              <a:t>PowerBI</a:t>
+              <a:t>Power</a:t>
             </a:r>
-            <a:endParaRPr lang="es-ES" dirty="0"/>
+            <a:r>
+              <a:rPr lang="es-ES" dirty="0"/>
+              <a:t> BI</a:t>
+            </a:r>
           </a:p>
         </p:txBody>
       </p:sp>
@@ -43076,7 +43158,15 @@
           <a:p>
             <a:r>
               <a:rPr lang="es-ES" dirty="0"/>
-              <a:t>Miguel Egea Gómez</a:t>
+              <a:t>Ana Maria </a:t>
+            </a:r>
+            <a:r>
+              <a:rPr lang="es-ES" dirty="0" err="1"/>
+              <a:t>Bisbe</a:t>
+            </a:r>
+            <a:r>
+              <a:rPr lang="es-ES" dirty="0"/>
+              <a:t> York</a:t>
             </a:r>
           </a:p>
         </p:txBody>
@@ -43138,7 +43228,7 @@
         <p:spPr>
           <a:xfrm>
             <a:off x="584196" y="4286058"/>
-            <a:ext cx="5510213" cy="276999"/>
+            <a:ext cx="5510213" cy="553998"/>
           </a:xfrm>
         </p:spPr>
         <p:txBody>
@@ -43146,13 +43236,30 @@
           <a:lstStyle/>
           <a:p>
             <a:r>
-              <a:rPr lang="en-US" dirty="0"/>
-              <a:t>Mentor and Technical Advisor. (ex) MPV reconnect.</a:t>
+              <a:rPr lang="en-US" dirty="0" err="1"/>
+              <a:t>Consultora</a:t>
             </a:r>
             <a:r>
-              <a:rPr lang="es-ES" dirty="0"/>
-              <a:t>. </a:t>
+              <a:rPr lang="en-US" dirty="0"/>
+              <a:t> y </a:t>
             </a:r>
+            <a:r>
+              <a:rPr lang="en-US" dirty="0" err="1"/>
+              <a:t>formadora</a:t>
+            </a:r>
+            <a:r>
+              <a:rPr lang="en-US" dirty="0"/>
+              <a:t> </a:t>
+            </a:r>
+            <a:r>
+              <a:rPr lang="en-US" dirty="0" err="1"/>
+              <a:t>en</a:t>
+            </a:r>
+            <a:r>
+              <a:rPr lang="en-US" dirty="0"/>
+              <a:t> Business Intelligence | Microsoft Data Platform MVP.</a:t>
+            </a:r>
+            <a:endParaRPr lang="es-ES" dirty="0"/>
           </a:p>
         </p:txBody>
       </p:sp>
@@ -43537,12 +43644,28 @@
             <p:ph type="title"/>
           </p:nvPr>
         </p:nvSpPr>
-        <p:spPr/>
+        <p:spPr>
+          <a:xfrm>
+            <a:off x="762991" y="753928"/>
+            <a:ext cx="4075714" cy="1723549"/>
+          </a:xfrm>
+        </p:spPr>
         <p:txBody>
           <a:bodyPr/>
           <a:lstStyle/>
           <a:p>
-            <a:endParaRPr lang="es-ES"/>
+            <a:r>
+              <a:rPr lang="es-ES" dirty="0"/>
+              <a:t>Saca partido de la Inteligencia Artificial integrada en gráficos de </a:t>
+            </a:r>
+            <a:r>
+              <a:rPr lang="es-ES" dirty="0" err="1"/>
+              <a:t>Power</a:t>
+            </a:r>
+            <a:r>
+              <a:rPr lang="es-ES" dirty="0"/>
+              <a:t> BI</a:t>
+            </a:r>
           </a:p>
         </p:txBody>
       </p:sp>
@@ -43567,7 +43690,18 @@
           <a:bodyPr/>
           <a:lstStyle/>
           <a:p>
-            <a:endParaRPr lang="es-ES"/>
+            <a:r>
+              <a:rPr lang="es-ES" dirty="0"/>
+              <a:t>Ana Maria </a:t>
+            </a:r>
+            <a:r>
+              <a:rPr lang="es-ES" dirty="0" err="1"/>
+              <a:t>Bisbe</a:t>
+            </a:r>
+            <a:r>
+              <a:rPr lang="es-ES"/>
+              <a:t> York</a:t>
+            </a:r>
           </a:p>
         </p:txBody>
       </p:sp>
@@ -43587,62 +43721,44 @@
             <p:ph type="body" sz="quarter" idx="15"/>
           </p:nvPr>
         </p:nvSpPr>
-        <p:spPr/>
+        <p:spPr>
+          <a:xfrm>
+            <a:off x="762987" y="3200854"/>
+            <a:ext cx="4075714" cy="646331"/>
+          </a:xfrm>
+        </p:spPr>
         <p:txBody>
           <a:bodyPr/>
           <a:lstStyle/>
           <a:p>
-            <a:endParaRPr lang="es-ES"/>
+            <a:r>
+              <a:rPr lang="en-US" dirty="0" err="1"/>
+              <a:t>Consultora</a:t>
+            </a:r>
+            <a:r>
+              <a:rPr lang="en-US" dirty="0"/>
+              <a:t> y </a:t>
+            </a:r>
+            <a:r>
+              <a:rPr lang="en-US" dirty="0" err="1"/>
+              <a:t>formadora</a:t>
+            </a:r>
+            <a:r>
+              <a:rPr lang="en-US" dirty="0"/>
+              <a:t> </a:t>
+            </a:r>
+            <a:r>
+              <a:rPr lang="en-US" dirty="0" err="1"/>
+              <a:t>en</a:t>
+            </a:r>
+            <a:r>
+              <a:rPr lang="en-US" dirty="0"/>
+              <a:t> Business Intelligence | Microsoft Data Platform MVP.</a:t>
+            </a:r>
+            <a:endParaRPr lang="es-ES" dirty="0"/>
           </a:p>
-        </p:txBody>
-      </p:sp>
-      <p:sp>
-        <p:nvSpPr>
-          <p:cNvPr id="7" name="Marcador de texto 6">
-            <a:extLst>
-              <a:ext uri="{FF2B5EF4-FFF2-40B4-BE49-F238E27FC236}">
-                <a16:creationId xmlns:a16="http://schemas.microsoft.com/office/drawing/2014/main" id="{8EF35D44-2C5B-40E9-B454-F56774A87418}"/>
-              </a:ext>
-            </a:extLst>
-          </p:cNvPr>
-          <p:cNvSpPr>
-            <a:spLocks noGrp="1"/>
-          </p:cNvSpPr>
-          <p:nvPr>
-            <p:ph type="body" sz="quarter" idx="16"/>
-          </p:nvPr>
-        </p:nvSpPr>
-        <p:spPr/>
-        <p:txBody>
-          <a:bodyPr/>
-          <a:lstStyle/>
           <a:p>
-            <a:endParaRPr lang="es-ES"/>
-          </a:p>
-        </p:txBody>
-      </p:sp>
-      <p:sp>
-        <p:nvSpPr>
-          <p:cNvPr id="8" name="Marcador de texto 7">
-            <a:extLst>
-              <a:ext uri="{FF2B5EF4-FFF2-40B4-BE49-F238E27FC236}">
-                <a16:creationId xmlns:a16="http://schemas.microsoft.com/office/drawing/2014/main" id="{B5A653BA-DCA7-4396-B752-FF12285E0B37}"/>
-              </a:ext>
-            </a:extLst>
-          </p:cNvPr>
-          <p:cNvSpPr>
-            <a:spLocks noGrp="1"/>
-          </p:cNvSpPr>
-          <p:nvPr>
-            <p:ph type="body" sz="quarter" idx="17"/>
-          </p:nvPr>
-        </p:nvSpPr>
-        <p:spPr/>
-        <p:txBody>
-          <a:bodyPr/>
-          <a:lstStyle/>
-          <a:p>
-            <a:endParaRPr lang="es-ES"/>
+            <a:endParaRPr lang="es-ES" dirty="0"/>
           </a:p>
         </p:txBody>
       </p:sp>
@@ -45108,12 +45224,65 @@
 </file>
 
 <file path=customXml/item1.xml><?xml version="1.0" encoding="utf-8"?>
-<?mso-contentType ?>
-<FormTemplates xmlns="http://schemas.microsoft.com/sharepoint/v3/contenttype/forms">
-  <Display>DocumentLibraryForm</Display>
-  <Edit>DocumentLibraryForm</Edit>
-  <New>DocumentLibraryForm</New>
-</FormTemplates>
+<p:properties xmlns:p="http://schemas.microsoft.com/office/2006/metadata/properties" xmlns:xsi="http://www.w3.org/2001/XMLSchema-instance" xmlns:pc="http://schemas.microsoft.com/office/infopath/2007/PartnerControls">
+  <documentManagement>
+    <_ip_UnifiedCompliancePolicyUIAction xmlns="http://schemas.microsoft.com/sharepoint/v3" xsi:nil="true"/>
+    <_ip_UnifiedCompliancePolicyProperties xmlns="http://schemas.microsoft.com/sharepoint/v3" xsi:nil="true"/>
+    <MediaServiceKeyPoints xmlns="9d1f81f6-e953-47ea-988e-33ed651c58e6" xsi:nil="true"/>
+    <External_x0020_Speaker xmlns="5a4b3278-325d-441a-b38f-6f1926bc734e" xsi:nil="true"/>
+    <j478fa01fff54a9d85f93cc1f742caa8 xmlns="5a4b3278-325d-441a-b38f-6f1926bc734e">
+      <Terms xmlns="http://schemas.microsoft.com/office/infopath/2007/PartnerControls"/>
+    </j478fa01fff54a9d85f93cc1f742caa8>
+    <Event_x0020_End_x0020_Date xmlns="5a4b3278-325d-441a-b38f-6f1926bc734e" xsi:nil="true"/>
+    <LikesCount xmlns="http://schemas.microsoft.com/sharepoint/v3" xsi:nil="true"/>
+    <MS_x0020_Speaker xmlns="5a4b3278-325d-441a-b38f-6f1926bc734e">
+      <UserInfo>
+        <DisplayName/>
+        <AccountId xsi:nil="true"/>
+        <AccountType/>
+      </UserInfo>
+    </MS_x0020_Speaker>
+    <o33121adfc264c7dbcad13be7db3ea4b xmlns="5a4b3278-325d-441a-b38f-6f1926bc734e">
+      <Terms xmlns="http://schemas.microsoft.com/office/infopath/2007/PartnerControls"/>
+    </o33121adfc264c7dbcad13be7db3ea4b>
+    <Session_x0020_Code xmlns="5a4b3278-325d-441a-b38f-6f1926bc734e" xsi:nil="true"/>
+    <Presentation_x0020_Date xmlns="5a4b3278-325d-441a-b38f-6f1926bc734e" xsi:nil="true"/>
+    <ba5aa7e3a41a404e868a451481761228 xmlns="5a4b3278-325d-441a-b38f-6f1926bc734e">
+      <Terms xmlns="http://schemas.microsoft.com/office/infopath/2007/PartnerControls"/>
+    </ba5aa7e3a41a404e868a451481761228>
+    <n26c0b7259a14f82a9880173edc4cb73 xmlns="5a4b3278-325d-441a-b38f-6f1926bc734e">
+      <Terms xmlns="http://schemas.microsoft.com/office/infopath/2007/PartnerControls"/>
+    </n26c0b7259a14f82a9880173edc4cb73>
+    <c4b02e5b2c48420dbed84c0f2f02e9a3 xmlns="5a4b3278-325d-441a-b38f-6f1926bc734e">
+      <Terms xmlns="http://schemas.microsoft.com/office/infopath/2007/PartnerControls"/>
+    </c4b02e5b2c48420dbed84c0f2f02e9a3>
+    <Event_x0020_Start_x0020_Date xmlns="5a4b3278-325d-441a-b38f-6f1926bc734e" xsi:nil="true"/>
+    <MS_x0020_Content_x0020_Owner xmlns="5a4b3278-325d-441a-b38f-6f1926bc734e">
+      <UserInfo>
+        <DisplayName/>
+        <AccountId xsi:nil="true"/>
+        <AccountType/>
+      </UserInfo>
+    </MS_x0020_Content_x0020_Owner>
+    <TaxKeywordTaxHTField xmlns="230e9df3-be65-4c73-a93b-d1236ebd677e">
+      <Terms xmlns="http://schemas.microsoft.com/office/infopath/2007/PartnerControls">
+        <TermInfo xmlns="http://schemas.microsoft.com/office/infopath/2007/PartnerControls">
+          <TermName xmlns="http://schemas.microsoft.com/office/infopath/2007/PartnerControls">Microsoft Ignite The Tour FY20</TermName>
+          <TermId xmlns="http://schemas.microsoft.com/office/infopath/2007/PartnerControls">92cd8354-19e0-47e3-879f-674e86e0d77f</TermId>
+        </TermInfo>
+      </Terms>
+    </TaxKeywordTaxHTField>
+    <j129f3114929433a812312450a84994c xmlns="5a4b3278-325d-441a-b38f-6f1926bc734e">
+      <Terms xmlns="http://schemas.microsoft.com/office/infopath/2007/PartnerControls"/>
+    </j129f3114929433a812312450a84994c>
+    <TaxCatchAll xmlns="230e9df3-be65-4c73-a93b-d1236ebd677e">
+      <Value>251</Value>
+    </TaxCatchAll>
+    <e1750f71052543bd8c4d7217e9f56da0 xmlns="5a4b3278-325d-441a-b38f-6f1926bc734e">
+      <Terms xmlns="http://schemas.microsoft.com/office/infopath/2007/PartnerControls"/>
+    </e1750f71052543bd8c4d7217e9f56da0>
+  </documentManagement>
+</p:properties>
 </file>
 
 <file path=customXml/item2.xml><?xml version="1.0" encoding="utf-8"?>
@@ -45538,71 +45707,31 @@
 </file>
 
 <file path=customXml/item3.xml><?xml version="1.0" encoding="utf-8"?>
-<p:properties xmlns:p="http://schemas.microsoft.com/office/2006/metadata/properties" xmlns:xsi="http://www.w3.org/2001/XMLSchema-instance" xmlns:pc="http://schemas.microsoft.com/office/infopath/2007/PartnerControls">
-  <documentManagement>
-    <_ip_UnifiedCompliancePolicyUIAction xmlns="http://schemas.microsoft.com/sharepoint/v3" xsi:nil="true"/>
-    <_ip_UnifiedCompliancePolicyProperties xmlns="http://schemas.microsoft.com/sharepoint/v3" xsi:nil="true"/>
-    <MediaServiceKeyPoints xmlns="9d1f81f6-e953-47ea-988e-33ed651c58e6" xsi:nil="true"/>
-    <External_x0020_Speaker xmlns="5a4b3278-325d-441a-b38f-6f1926bc734e" xsi:nil="true"/>
-    <j478fa01fff54a9d85f93cc1f742caa8 xmlns="5a4b3278-325d-441a-b38f-6f1926bc734e">
-      <Terms xmlns="http://schemas.microsoft.com/office/infopath/2007/PartnerControls"/>
-    </j478fa01fff54a9d85f93cc1f742caa8>
-    <Event_x0020_End_x0020_Date xmlns="5a4b3278-325d-441a-b38f-6f1926bc734e" xsi:nil="true"/>
-    <LikesCount xmlns="http://schemas.microsoft.com/sharepoint/v3" xsi:nil="true"/>
-    <MS_x0020_Speaker xmlns="5a4b3278-325d-441a-b38f-6f1926bc734e">
-      <UserInfo>
-        <DisplayName/>
-        <AccountId xsi:nil="true"/>
-        <AccountType/>
-      </UserInfo>
-    </MS_x0020_Speaker>
-    <o33121adfc264c7dbcad13be7db3ea4b xmlns="5a4b3278-325d-441a-b38f-6f1926bc734e">
-      <Terms xmlns="http://schemas.microsoft.com/office/infopath/2007/PartnerControls"/>
-    </o33121adfc264c7dbcad13be7db3ea4b>
-    <Session_x0020_Code xmlns="5a4b3278-325d-441a-b38f-6f1926bc734e" xsi:nil="true"/>
-    <Presentation_x0020_Date xmlns="5a4b3278-325d-441a-b38f-6f1926bc734e" xsi:nil="true"/>
-    <ba5aa7e3a41a404e868a451481761228 xmlns="5a4b3278-325d-441a-b38f-6f1926bc734e">
-      <Terms xmlns="http://schemas.microsoft.com/office/infopath/2007/PartnerControls"/>
-    </ba5aa7e3a41a404e868a451481761228>
-    <n26c0b7259a14f82a9880173edc4cb73 xmlns="5a4b3278-325d-441a-b38f-6f1926bc734e">
-      <Terms xmlns="http://schemas.microsoft.com/office/infopath/2007/PartnerControls"/>
-    </n26c0b7259a14f82a9880173edc4cb73>
-    <c4b02e5b2c48420dbed84c0f2f02e9a3 xmlns="5a4b3278-325d-441a-b38f-6f1926bc734e">
-      <Terms xmlns="http://schemas.microsoft.com/office/infopath/2007/PartnerControls"/>
-    </c4b02e5b2c48420dbed84c0f2f02e9a3>
-    <Event_x0020_Start_x0020_Date xmlns="5a4b3278-325d-441a-b38f-6f1926bc734e" xsi:nil="true"/>
-    <MS_x0020_Content_x0020_Owner xmlns="5a4b3278-325d-441a-b38f-6f1926bc734e">
-      <UserInfo>
-        <DisplayName/>
-        <AccountId xsi:nil="true"/>
-        <AccountType/>
-      </UserInfo>
-    </MS_x0020_Content_x0020_Owner>
-    <TaxKeywordTaxHTField xmlns="230e9df3-be65-4c73-a93b-d1236ebd677e">
-      <Terms xmlns="http://schemas.microsoft.com/office/infopath/2007/PartnerControls">
-        <TermInfo xmlns="http://schemas.microsoft.com/office/infopath/2007/PartnerControls">
-          <TermName xmlns="http://schemas.microsoft.com/office/infopath/2007/PartnerControls">Microsoft Ignite The Tour FY20</TermName>
-          <TermId xmlns="http://schemas.microsoft.com/office/infopath/2007/PartnerControls">92cd8354-19e0-47e3-879f-674e86e0d77f</TermId>
-        </TermInfo>
-      </Terms>
-    </TaxKeywordTaxHTField>
-    <j129f3114929433a812312450a84994c xmlns="5a4b3278-325d-441a-b38f-6f1926bc734e">
-      <Terms xmlns="http://schemas.microsoft.com/office/infopath/2007/PartnerControls"/>
-    </j129f3114929433a812312450a84994c>
-    <TaxCatchAll xmlns="230e9df3-be65-4c73-a93b-d1236ebd677e">
-      <Value>251</Value>
-    </TaxCatchAll>
-    <e1750f71052543bd8c4d7217e9f56da0 xmlns="5a4b3278-325d-441a-b38f-6f1926bc734e">
-      <Terms xmlns="http://schemas.microsoft.com/office/infopath/2007/PartnerControls"/>
-    </e1750f71052543bd8c4d7217e9f56da0>
-  </documentManagement>
-</p:properties>
+<?mso-contentType ?>
+<FormTemplates xmlns="http://schemas.microsoft.com/sharepoint/v3/contenttype/forms">
+  <Display>DocumentLibraryForm</Display>
+  <Edit>DocumentLibraryForm</Edit>
+  <New>DocumentLibraryForm</New>
+</FormTemplates>
 </file>
 
 <file path=customXml/itemProps1.xml><?xml version="1.0" encoding="utf-8"?>
-<ds:datastoreItem xmlns:ds="http://schemas.openxmlformats.org/officeDocument/2006/customXml" ds:itemID="{758FDAC0-319D-4A54-8D8E-1D42CB1F8004}">
+<ds:datastoreItem xmlns:ds="http://schemas.openxmlformats.org/officeDocument/2006/customXml" ds:itemID="{F990F116-B58F-4255-B05B-DA3808E0E5C6}">
   <ds:schemaRefs>
-    <ds:schemaRef ds:uri="http://schemas.microsoft.com/sharepoint/v3/contenttype/forms"/>
+    <ds:schemaRef ds:uri="12239fb0-26c0-4a37-b790-6c81fba9d0fc"/>
+    <ds:schemaRef ds:uri="http://schemas.openxmlformats.org/package/2006/metadata/core-properties"/>
+    <ds:schemaRef ds:uri="http://www.w3.org/XML/1998/namespace"/>
+    <ds:schemaRef ds:uri="16dc66bd-df5a-4495-a5c9-5e296f49988a"/>
+    <ds:schemaRef ds:uri="http://schemas.microsoft.com/sharepoint/v3"/>
+    <ds:schemaRef ds:uri="http://purl.org/dc/terms/"/>
+    <ds:schemaRef ds:uri="http://purl.org/dc/dcmitype/"/>
+    <ds:schemaRef ds:uri="http://schemas.microsoft.com/office/2006/metadata/properties"/>
+    <ds:schemaRef ds:uri="http://schemas.microsoft.com/office/2006/documentManagement/types"/>
+    <ds:schemaRef ds:uri="http://schemas.microsoft.com/office/infopath/2007/PartnerControls"/>
+    <ds:schemaRef ds:uri="http://purl.org/dc/elements/1.1/"/>
+    <ds:schemaRef ds:uri="9d1f81f6-e953-47ea-988e-33ed651c58e6"/>
+    <ds:schemaRef ds:uri="5a4b3278-325d-441a-b38f-6f1926bc734e"/>
+    <ds:schemaRef ds:uri="230e9df3-be65-4c73-a93b-d1236ebd677e"/>
   </ds:schemaRefs>
 </ds:datastoreItem>
 </file>
@@ -45629,22 +45758,9 @@
 </file>
 
 <file path=customXml/itemProps3.xml><?xml version="1.0" encoding="utf-8"?>
-<ds:datastoreItem xmlns:ds="http://schemas.openxmlformats.org/officeDocument/2006/customXml" ds:itemID="{F990F116-B58F-4255-B05B-DA3808E0E5C6}">
+<ds:datastoreItem xmlns:ds="http://schemas.openxmlformats.org/officeDocument/2006/customXml" ds:itemID="{758FDAC0-319D-4A54-8D8E-1D42CB1F8004}">
   <ds:schemaRefs>
-    <ds:schemaRef ds:uri="12239fb0-26c0-4a37-b790-6c81fba9d0fc"/>
-    <ds:schemaRef ds:uri="http://schemas.openxmlformats.org/package/2006/metadata/core-properties"/>
-    <ds:schemaRef ds:uri="http://www.w3.org/XML/1998/namespace"/>
-    <ds:schemaRef ds:uri="16dc66bd-df5a-4495-a5c9-5e296f49988a"/>
-    <ds:schemaRef ds:uri="http://schemas.microsoft.com/sharepoint/v3"/>
-    <ds:schemaRef ds:uri="http://purl.org/dc/terms/"/>
-    <ds:schemaRef ds:uri="http://purl.org/dc/dcmitype/"/>
-    <ds:schemaRef ds:uri="http://schemas.microsoft.com/office/2006/metadata/properties"/>
-    <ds:schemaRef ds:uri="http://schemas.microsoft.com/office/2006/documentManagement/types"/>
-    <ds:schemaRef ds:uri="http://schemas.microsoft.com/office/infopath/2007/PartnerControls"/>
-    <ds:schemaRef ds:uri="http://purl.org/dc/elements/1.1/"/>
-    <ds:schemaRef ds:uri="9d1f81f6-e953-47ea-988e-33ed651c58e6"/>
-    <ds:schemaRef ds:uri="5a4b3278-325d-441a-b38f-6f1926bc734e"/>
-    <ds:schemaRef ds:uri="230e9df3-be65-4c73-a93b-d1236ebd677e"/>
+    <ds:schemaRef ds:uri="http://schemas.microsoft.com/sharepoint/v3/contenttype/forms"/>
   </ds:schemaRefs>
 </ds:datastoreItem>
 </file>
--- a/PPT/11 Saca partido de la Inteligencia Artificial integrada en gráficos de Power BI.pptx
+++ b/PPT/11 Saca partido de la Inteligencia Artificial integrada en gráficos de Power BI.pptx
@@ -400,7 +400,7 @@
               <a:rPr lang="en-US" smtClean="0">
                 <a:latin typeface="Segoe UI" pitchFamily="34" charset="0"/>
               </a:rPr>
-              <a:t>1/10/2021 9:13 PM</a:t>
+              <a:t>1/11/2021 10:15 AM</a:t>
             </a:fld>
             <a:endParaRPr lang="en-US">
               <a:latin typeface="Segoe UI" pitchFamily="34" charset="0"/>
@@ -489,7 +489,7 @@
               <a:rPr lang="en-US" smtClean="0">
                 <a:latin typeface="Segoe UI" pitchFamily="34" charset="0"/>
               </a:rPr>
-              <a:t>‹#›</a:t>
+              <a:t>‹Nº›</a:t>
             </a:fld>
             <a:endParaRPr lang="en-US">
               <a:latin typeface="Segoe UI" pitchFamily="34" charset="0"/>
@@ -678,7 +678,7 @@
           <a:p>
             <a:fld id="{386CE63F-9E7F-4C04-9D0D-FCA25A8E9E86}" type="datetime8">
               <a:rPr lang="en-US" smtClean="0"/>
-              <a:t>1/10/2021 9:11 PM</a:t>
+              <a:t>1/11/2021 10:15 AM</a:t>
             </a:fld>
             <a:endParaRPr lang="en-US"/>
           </a:p>
@@ -775,7 +775,7 @@
             <a:fld id="{B4008EB6-D09E-4580-8CD6-DDB14511944F}" type="slidenum">
               <a:rPr lang="en-US" smtClean="0"/>
               <a:pPr/>
-              <a:t>‹#›</a:t>
+              <a:t>‹Nº›</a:t>
             </a:fld>
             <a:endParaRPr lang="en-US"/>
           </a:p>
@@ -2146,216 +2146,6 @@
       </p:sp>
       <p:pic>
         <p:nvPicPr>
-          <p:cNvPr id="42" name="Imagen 41">
-            <a:extLst>
-              <a:ext uri="{FF2B5EF4-FFF2-40B4-BE49-F238E27FC236}">
-                <a16:creationId xmlns:a16="http://schemas.microsoft.com/office/drawing/2014/main" id="{CFE36E5C-300D-43C3-BE61-452D23910E7A}"/>
-              </a:ext>
-            </a:extLst>
-          </p:cNvPr>
-          <p:cNvPicPr>
-            <a:picLocks noChangeAspect="1"/>
-          </p:cNvPicPr>
-          <p:nvPr userDrawn="1"/>
-        </p:nvPicPr>
-        <p:blipFill>
-          <a:blip r:embed="rId8"/>
-          <a:stretch>
-            <a:fillRect/>
-          </a:stretch>
-        </p:blipFill>
-        <p:spPr>
-          <a:xfrm>
-            <a:off x="6038054" y="5126102"/>
-            <a:ext cx="2243624" cy="690346"/>
-          </a:xfrm>
-          <a:prstGeom prst="rect">
-            <a:avLst/>
-          </a:prstGeom>
-        </p:spPr>
-      </p:pic>
-      <p:pic>
-        <p:nvPicPr>
-          <p:cNvPr id="43" name="Imagen 42">
-            <a:extLst>
-              <a:ext uri="{FF2B5EF4-FFF2-40B4-BE49-F238E27FC236}">
-                <a16:creationId xmlns:a16="http://schemas.microsoft.com/office/drawing/2014/main" id="{1E5521AC-4CAB-411F-AC1B-1FC08331F083}"/>
-              </a:ext>
-            </a:extLst>
-          </p:cNvPr>
-          <p:cNvPicPr>
-            <a:picLocks noChangeAspect="1"/>
-          </p:cNvPicPr>
-          <p:nvPr userDrawn="1"/>
-        </p:nvPicPr>
-        <p:blipFill>
-          <a:blip r:embed="rId9"/>
-          <a:stretch>
-            <a:fillRect/>
-          </a:stretch>
-        </p:blipFill>
-        <p:spPr>
-          <a:xfrm>
-            <a:off x="8539558" y="5733198"/>
-            <a:ext cx="1582743" cy="586201"/>
-          </a:xfrm>
-          <a:prstGeom prst="rect">
-            <a:avLst/>
-          </a:prstGeom>
-        </p:spPr>
-      </p:pic>
-      <p:pic>
-        <p:nvPicPr>
-          <p:cNvPr id="44" name="Imagen 43">
-            <a:extLst>
-              <a:ext uri="{FF2B5EF4-FFF2-40B4-BE49-F238E27FC236}">
-                <a16:creationId xmlns:a16="http://schemas.microsoft.com/office/drawing/2014/main" id="{11316E2E-3D77-4C04-B311-6A3BC810876B}"/>
-              </a:ext>
-            </a:extLst>
-          </p:cNvPr>
-          <p:cNvPicPr>
-            <a:picLocks noChangeAspect="1"/>
-          </p:cNvPicPr>
-          <p:nvPr userDrawn="1"/>
-        </p:nvPicPr>
-        <p:blipFill>
-          <a:blip r:embed="rId10"/>
-          <a:stretch>
-            <a:fillRect/>
-          </a:stretch>
-        </p:blipFill>
-        <p:spPr>
-          <a:xfrm>
-            <a:off x="1494915" y="5537785"/>
-            <a:ext cx="2015855" cy="620263"/>
-          </a:xfrm>
-          <a:prstGeom prst="rect">
-            <a:avLst/>
-          </a:prstGeom>
-        </p:spPr>
-      </p:pic>
-      <p:pic>
-        <p:nvPicPr>
-          <p:cNvPr id="45" name="Imagen 44">
-            <a:extLst>
-              <a:ext uri="{FF2B5EF4-FFF2-40B4-BE49-F238E27FC236}">
-                <a16:creationId xmlns:a16="http://schemas.microsoft.com/office/drawing/2014/main" id="{27698EF9-7487-44AD-80EC-BF4C4D09A750}"/>
-              </a:ext>
-            </a:extLst>
-          </p:cNvPr>
-          <p:cNvPicPr>
-            <a:picLocks noChangeAspect="1"/>
-          </p:cNvPicPr>
-          <p:nvPr userDrawn="1"/>
-        </p:nvPicPr>
-        <p:blipFill>
-          <a:blip r:embed="rId11"/>
-          <a:stretch>
-            <a:fillRect/>
-          </a:stretch>
-        </p:blipFill>
-        <p:spPr>
-          <a:xfrm>
-            <a:off x="3816249" y="5203641"/>
-            <a:ext cx="2144054" cy="560669"/>
-          </a:xfrm>
-          <a:prstGeom prst="rect">
-            <a:avLst/>
-          </a:prstGeom>
-        </p:spPr>
-      </p:pic>
-      <p:pic>
-        <p:nvPicPr>
-          <p:cNvPr id="46" name="Imagen 45">
-            <a:extLst>
-              <a:ext uri="{FF2B5EF4-FFF2-40B4-BE49-F238E27FC236}">
-                <a16:creationId xmlns:a16="http://schemas.microsoft.com/office/drawing/2014/main" id="{6F0DF829-9E01-4878-8C8F-E8F7AD4159ED}"/>
-              </a:ext>
-            </a:extLst>
-          </p:cNvPr>
-          <p:cNvPicPr>
-            <a:picLocks noChangeAspect="1"/>
-          </p:cNvPicPr>
-          <p:nvPr userDrawn="1"/>
-        </p:nvPicPr>
-        <p:blipFill>
-          <a:blip r:embed="rId12"/>
-          <a:stretch>
-            <a:fillRect/>
-          </a:stretch>
-        </p:blipFill>
-        <p:spPr>
-          <a:xfrm>
-            <a:off x="3860320" y="5847917"/>
-            <a:ext cx="1905154" cy="586201"/>
-          </a:xfrm>
-          <a:prstGeom prst="rect">
-            <a:avLst/>
-          </a:prstGeom>
-        </p:spPr>
-      </p:pic>
-      <p:pic>
-        <p:nvPicPr>
-          <p:cNvPr id="52" name="Imagen 51">
-            <a:extLst>
-              <a:ext uri="{FF2B5EF4-FFF2-40B4-BE49-F238E27FC236}">
-                <a16:creationId xmlns:a16="http://schemas.microsoft.com/office/drawing/2014/main" id="{999BD06F-0AD4-4E45-B274-E87BA24F79BC}"/>
-              </a:ext>
-            </a:extLst>
-          </p:cNvPr>
-          <p:cNvPicPr>
-            <a:picLocks noChangeAspect="1"/>
-          </p:cNvPicPr>
-          <p:nvPr userDrawn="1"/>
-        </p:nvPicPr>
-        <p:blipFill>
-          <a:blip r:embed="rId13"/>
-          <a:stretch>
-            <a:fillRect/>
-          </a:stretch>
-        </p:blipFill>
-        <p:spPr>
-          <a:xfrm>
-            <a:off x="6259691" y="5936432"/>
-            <a:ext cx="1800350" cy="409170"/>
-          </a:xfrm>
-          <a:prstGeom prst="rect">
-            <a:avLst/>
-          </a:prstGeom>
-        </p:spPr>
-      </p:pic>
-      <p:pic>
-        <p:nvPicPr>
-          <p:cNvPr id="53" name="Imagen 52">
-            <a:extLst>
-              <a:ext uri="{FF2B5EF4-FFF2-40B4-BE49-F238E27FC236}">
-                <a16:creationId xmlns:a16="http://schemas.microsoft.com/office/drawing/2014/main" id="{B732E62D-65E0-4AF3-9F73-267A09BF660E}"/>
-              </a:ext>
-            </a:extLst>
-          </p:cNvPr>
-          <p:cNvPicPr>
-            <a:picLocks noChangeAspect="1"/>
-          </p:cNvPicPr>
-          <p:nvPr userDrawn="1"/>
-        </p:nvPicPr>
-        <p:blipFill>
-          <a:blip r:embed="rId14"/>
-          <a:stretch>
-            <a:fillRect/>
-          </a:stretch>
-        </p:blipFill>
-        <p:spPr>
-          <a:xfrm>
-            <a:off x="8411164" y="5047695"/>
-            <a:ext cx="1839530" cy="567666"/>
-          </a:xfrm>
-          <a:prstGeom prst="rect">
-            <a:avLst/>
-          </a:prstGeom>
-        </p:spPr>
-      </p:pic>
-      <p:pic>
-        <p:nvPicPr>
           <p:cNvPr id="55" name="Gráfico 54">
             <a:extLst>
               <a:ext uri="{FF2B5EF4-FFF2-40B4-BE49-F238E27FC236}">
@@ -2369,10 +2159,10 @@
           <p:nvPr userDrawn="1"/>
         </p:nvPicPr>
         <p:blipFill>
-          <a:blip r:embed="rId15">
+          <a:blip r:embed="rId8">
             <a:extLst>
               <a:ext uri="{96DAC541-7B7A-43D3-8B79-37D633B846F1}">
-                <asvg:svgBlip xmlns:asvg="http://schemas.microsoft.com/office/drawing/2016/SVG/main" r:embed="rId16"/>
+                <asvg:svgBlip xmlns:asvg="http://schemas.microsoft.com/office/drawing/2016/SVG/main" r:embed="rId9"/>
               </a:ext>
             </a:extLst>
           </a:blip>
@@ -2405,10 +2195,10 @@
           <p:nvPr userDrawn="1"/>
         </p:nvPicPr>
         <p:blipFill>
-          <a:blip r:embed="rId17">
+          <a:blip r:embed="rId10">
             <a:extLst>
               <a:ext uri="{96DAC541-7B7A-43D3-8B79-37D633B846F1}">
-                <asvg:svgBlip xmlns:asvg="http://schemas.microsoft.com/office/drawing/2016/SVG/main" r:embed="rId18"/>
+                <asvg:svgBlip xmlns:asvg="http://schemas.microsoft.com/office/drawing/2016/SVG/main" r:embed="rId11"/>
               </a:ext>
             </a:extLst>
           </a:blip>
@@ -2420,6 +2210,246 @@
           <a:xfrm>
             <a:off x="5501889" y="2377869"/>
             <a:ext cx="1851408" cy="1347955"/>
+          </a:xfrm>
+          <a:prstGeom prst="rect">
+            <a:avLst/>
+          </a:prstGeom>
+        </p:spPr>
+      </p:pic>
+      <p:pic>
+        <p:nvPicPr>
+          <p:cNvPr id="22" name="Imagen 21">
+            <a:extLst>
+              <a:ext uri="{FF2B5EF4-FFF2-40B4-BE49-F238E27FC236}">
+                <a16:creationId xmlns:a16="http://schemas.microsoft.com/office/drawing/2014/main" id="{B75CD3E6-5E73-4C16-AAED-15D63191C6A4}"/>
+              </a:ext>
+            </a:extLst>
+          </p:cNvPr>
+          <p:cNvPicPr>
+            <a:picLocks noChangeAspect="1"/>
+          </p:cNvPicPr>
+          <p:nvPr userDrawn="1"/>
+        </p:nvPicPr>
+        <p:blipFill>
+          <a:blip r:embed="rId12"/>
+          <a:stretch>
+            <a:fillRect/>
+          </a:stretch>
+        </p:blipFill>
+        <p:spPr>
+          <a:xfrm>
+            <a:off x="6280496" y="5133072"/>
+            <a:ext cx="2243624" cy="690346"/>
+          </a:xfrm>
+          <a:prstGeom prst="rect">
+            <a:avLst/>
+          </a:prstGeom>
+        </p:spPr>
+      </p:pic>
+      <p:pic>
+        <p:nvPicPr>
+          <p:cNvPr id="23" name="Imagen 22">
+            <a:extLst>
+              <a:ext uri="{FF2B5EF4-FFF2-40B4-BE49-F238E27FC236}">
+                <a16:creationId xmlns:a16="http://schemas.microsoft.com/office/drawing/2014/main" id="{0282E3B8-9E8D-45BD-99EB-4A55D6DE86A7}"/>
+              </a:ext>
+            </a:extLst>
+          </p:cNvPr>
+          <p:cNvPicPr>
+            <a:picLocks noChangeAspect="1"/>
+          </p:cNvPicPr>
+          <p:nvPr userDrawn="1"/>
+        </p:nvPicPr>
+        <p:blipFill>
+          <a:blip r:embed="rId13"/>
+          <a:stretch>
+            <a:fillRect/>
+          </a:stretch>
+        </p:blipFill>
+        <p:spPr>
+          <a:xfrm>
+            <a:off x="6585173" y="5797267"/>
+            <a:ext cx="1582743" cy="586201"/>
+          </a:xfrm>
+          <a:prstGeom prst="rect">
+            <a:avLst/>
+          </a:prstGeom>
+        </p:spPr>
+      </p:pic>
+      <p:pic>
+        <p:nvPicPr>
+          <p:cNvPr id="24" name="Imagen 23">
+            <a:extLst>
+              <a:ext uri="{FF2B5EF4-FFF2-40B4-BE49-F238E27FC236}">
+                <a16:creationId xmlns:a16="http://schemas.microsoft.com/office/drawing/2014/main" id="{A923A22D-56B9-40EE-9C55-10FA74198906}"/>
+              </a:ext>
+            </a:extLst>
+          </p:cNvPr>
+          <p:cNvPicPr>
+            <a:picLocks noChangeAspect="1"/>
+          </p:cNvPicPr>
+          <p:nvPr userDrawn="1"/>
+        </p:nvPicPr>
+        <p:blipFill>
+          <a:blip r:embed="rId14"/>
+          <a:stretch>
+            <a:fillRect/>
+          </a:stretch>
+        </p:blipFill>
+        <p:spPr>
+          <a:xfrm>
+            <a:off x="1742944" y="5168113"/>
+            <a:ext cx="2015855" cy="620263"/>
+          </a:xfrm>
+          <a:prstGeom prst="rect">
+            <a:avLst/>
+          </a:prstGeom>
+        </p:spPr>
+      </p:pic>
+      <p:pic>
+        <p:nvPicPr>
+          <p:cNvPr id="25" name="Imagen 24">
+            <a:extLst>
+              <a:ext uri="{FF2B5EF4-FFF2-40B4-BE49-F238E27FC236}">
+                <a16:creationId xmlns:a16="http://schemas.microsoft.com/office/drawing/2014/main" id="{043DC64D-D724-4FCD-8A76-089C9D2E4766}"/>
+              </a:ext>
+            </a:extLst>
+          </p:cNvPr>
+          <p:cNvPicPr>
+            <a:picLocks noChangeAspect="1"/>
+          </p:cNvPicPr>
+          <p:nvPr userDrawn="1"/>
+        </p:nvPicPr>
+        <p:blipFill>
+          <a:blip r:embed="rId15"/>
+          <a:stretch>
+            <a:fillRect/>
+          </a:stretch>
+        </p:blipFill>
+        <p:spPr>
+          <a:xfrm>
+            <a:off x="4058691" y="5210611"/>
+            <a:ext cx="2144054" cy="560669"/>
+          </a:xfrm>
+          <a:prstGeom prst="rect">
+            <a:avLst/>
+          </a:prstGeom>
+        </p:spPr>
+      </p:pic>
+      <p:pic>
+        <p:nvPicPr>
+          <p:cNvPr id="26" name="Imagen 25">
+            <a:extLst>
+              <a:ext uri="{FF2B5EF4-FFF2-40B4-BE49-F238E27FC236}">
+                <a16:creationId xmlns:a16="http://schemas.microsoft.com/office/drawing/2014/main" id="{FF5321DF-EF7E-4B5E-A152-24BE6F080AD5}"/>
+              </a:ext>
+            </a:extLst>
+          </p:cNvPr>
+          <p:cNvPicPr>
+            <a:picLocks noChangeAspect="1"/>
+          </p:cNvPicPr>
+          <p:nvPr userDrawn="1"/>
+        </p:nvPicPr>
+        <p:blipFill>
+          <a:blip r:embed="rId16"/>
+          <a:stretch>
+            <a:fillRect/>
+          </a:stretch>
+        </p:blipFill>
+        <p:spPr>
+          <a:xfrm>
+            <a:off x="1946157" y="5911986"/>
+            <a:ext cx="1905154" cy="586201"/>
+          </a:xfrm>
+          <a:prstGeom prst="rect">
+            <a:avLst/>
+          </a:prstGeom>
+        </p:spPr>
+      </p:pic>
+      <p:pic>
+        <p:nvPicPr>
+          <p:cNvPr id="29" name="Imagen 28">
+            <a:extLst>
+              <a:ext uri="{FF2B5EF4-FFF2-40B4-BE49-F238E27FC236}">
+                <a16:creationId xmlns:a16="http://schemas.microsoft.com/office/drawing/2014/main" id="{D825F2D6-D78D-40F2-A40C-3967039FFEA3}"/>
+              </a:ext>
+            </a:extLst>
+          </p:cNvPr>
+          <p:cNvPicPr>
+            <a:picLocks noChangeAspect="1"/>
+          </p:cNvPicPr>
+          <p:nvPr userDrawn="1"/>
+        </p:nvPicPr>
+        <p:blipFill>
+          <a:blip r:embed="rId17"/>
+          <a:stretch>
+            <a:fillRect/>
+          </a:stretch>
+        </p:blipFill>
+        <p:spPr>
+          <a:xfrm>
+            <a:off x="4305306" y="6000501"/>
+            <a:ext cx="1800350" cy="409170"/>
+          </a:xfrm>
+          <a:prstGeom prst="rect">
+            <a:avLst/>
+          </a:prstGeom>
+        </p:spPr>
+      </p:pic>
+      <p:pic>
+        <p:nvPicPr>
+          <p:cNvPr id="30" name="Imagen 29">
+            <a:extLst>
+              <a:ext uri="{FF2B5EF4-FFF2-40B4-BE49-F238E27FC236}">
+                <a16:creationId xmlns:a16="http://schemas.microsoft.com/office/drawing/2014/main" id="{7DAE5DC0-5DAF-403E-B70D-110E95E1B9E8}"/>
+              </a:ext>
+            </a:extLst>
+          </p:cNvPr>
+          <p:cNvPicPr>
+            <a:picLocks noChangeAspect="1"/>
+          </p:cNvPicPr>
+          <p:nvPr userDrawn="1"/>
+        </p:nvPicPr>
+        <p:blipFill>
+          <a:blip r:embed="rId18"/>
+          <a:stretch>
+            <a:fillRect/>
+          </a:stretch>
+        </p:blipFill>
+        <p:spPr>
+          <a:xfrm>
+            <a:off x="8653606" y="5054665"/>
+            <a:ext cx="1839530" cy="567666"/>
+          </a:xfrm>
+          <a:prstGeom prst="rect">
+            <a:avLst/>
+          </a:prstGeom>
+        </p:spPr>
+      </p:pic>
+      <p:pic>
+        <p:nvPicPr>
+          <p:cNvPr id="32" name="Imagen 31">
+            <a:extLst>
+              <a:ext uri="{FF2B5EF4-FFF2-40B4-BE49-F238E27FC236}">
+                <a16:creationId xmlns:a16="http://schemas.microsoft.com/office/drawing/2014/main" id="{C8F8E564-BE83-4AEA-90B2-49FD63919F1C}"/>
+              </a:ext>
+            </a:extLst>
+          </p:cNvPr>
+          <p:cNvPicPr>
+            <a:picLocks noChangeAspect="1"/>
+          </p:cNvPicPr>
+          <p:nvPr userDrawn="1"/>
+        </p:nvPicPr>
+        <p:blipFill>
+          <a:blip r:embed="rId19"/>
+          <a:stretch>
+            <a:fillRect/>
+          </a:stretch>
+        </p:blipFill>
+        <p:spPr>
+          <a:xfrm>
+            <a:off x="8647433" y="5788376"/>
+            <a:ext cx="1839529" cy="634175"/>
           </a:xfrm>
           <a:prstGeom prst="rect">
             <a:avLst/>
@@ -25701,10 +25731,10 @@
       </p:graphicFrame>
       <p:pic>
         <p:nvPicPr>
-          <p:cNvPr id="27" name="Imagen 26">
+          <p:cNvPr id="14" name="Imagen 13">
             <a:extLst>
               <a:ext uri="{FF2B5EF4-FFF2-40B4-BE49-F238E27FC236}">
-                <a16:creationId xmlns:a16="http://schemas.microsoft.com/office/drawing/2014/main" id="{00C8D22B-6FB1-44B3-9B2A-665925B181E4}"/>
+                <a16:creationId xmlns:a16="http://schemas.microsoft.com/office/drawing/2014/main" id="{C6E9E77C-E356-4B0C-96DF-2BA316D89FDC}"/>
               </a:ext>
             </a:extLst>
           </p:cNvPr>
@@ -25721,7 +25751,7 @@
         </p:blipFill>
         <p:spPr>
           <a:xfrm>
-            <a:off x="501323" y="5106327"/>
+            <a:off x="535251" y="4091351"/>
             <a:ext cx="3299139" cy="1015120"/>
           </a:xfrm>
           <a:prstGeom prst="rect">
@@ -25731,10 +25761,10 @@
       </p:pic>
       <p:pic>
         <p:nvPicPr>
-          <p:cNvPr id="35" name="Imagen 34">
+          <p:cNvPr id="15" name="Imagen 14">
             <a:extLst>
               <a:ext uri="{FF2B5EF4-FFF2-40B4-BE49-F238E27FC236}">
-                <a16:creationId xmlns:a16="http://schemas.microsoft.com/office/drawing/2014/main" id="{B20103D2-6A8D-4961-A9FC-C645273D36EA}"/>
+                <a16:creationId xmlns:a16="http://schemas.microsoft.com/office/drawing/2014/main" id="{8B164F7D-AA37-453D-944E-1CA64595741A}"/>
               </a:ext>
             </a:extLst>
           </p:cNvPr>
@@ -25751,8 +25781,8 @@
         </p:blipFill>
         <p:spPr>
           <a:xfrm>
-            <a:off x="4795788" y="2889461"/>
-            <a:ext cx="2964216" cy="912066"/>
+            <a:off x="836952" y="5359947"/>
+            <a:ext cx="3152727" cy="824437"/>
           </a:xfrm>
           <a:prstGeom prst="rect">
             <a:avLst/>
@@ -25761,10 +25791,10 @@
       </p:pic>
       <p:pic>
         <p:nvPicPr>
-          <p:cNvPr id="36" name="Imagen 35">
+          <p:cNvPr id="16" name="Imagen 15">
             <a:extLst>
               <a:ext uri="{FF2B5EF4-FFF2-40B4-BE49-F238E27FC236}">
-                <a16:creationId xmlns:a16="http://schemas.microsoft.com/office/drawing/2014/main" id="{06B717A3-D1D7-4E20-8A78-D374F2E8165E}"/>
+                <a16:creationId xmlns:a16="http://schemas.microsoft.com/office/drawing/2014/main" id="{E9DF1008-514B-49F3-9F07-D600842C96BC}"/>
               </a:ext>
             </a:extLst>
           </p:cNvPr>
@@ -25781,8 +25811,8 @@
         </p:blipFill>
         <p:spPr>
           <a:xfrm>
-            <a:off x="4770299" y="4103833"/>
-            <a:ext cx="3152727" cy="824437"/>
+            <a:off x="8701034" y="3081791"/>
+            <a:ext cx="2801436" cy="861980"/>
           </a:xfrm>
           <a:prstGeom prst="rect">
             <a:avLst/>
@@ -25791,10 +25821,10 @@
       </p:pic>
       <p:pic>
         <p:nvPicPr>
-          <p:cNvPr id="37" name="Imagen 36">
+          <p:cNvPr id="17" name="Imagen 16">
             <a:extLst>
               <a:ext uri="{FF2B5EF4-FFF2-40B4-BE49-F238E27FC236}">
-                <a16:creationId xmlns:a16="http://schemas.microsoft.com/office/drawing/2014/main" id="{4F6582C8-181F-45AB-8FDC-D2A5D1DE0868}"/>
+                <a16:creationId xmlns:a16="http://schemas.microsoft.com/office/drawing/2014/main" id="{E9FAF30B-4042-48BB-98E8-E12F2EEDA39B}"/>
               </a:ext>
             </a:extLst>
           </p:cNvPr>
@@ -25811,8 +25841,8 @@
         </p:blipFill>
         <p:spPr>
           <a:xfrm>
-            <a:off x="8656795" y="4066290"/>
-            <a:ext cx="2801436" cy="861980"/>
+            <a:off x="9075344" y="3970682"/>
+            <a:ext cx="2327347" cy="861980"/>
           </a:xfrm>
           <a:prstGeom prst="rect">
             <a:avLst/>
@@ -25821,10 +25851,10 @@
       </p:pic>
       <p:pic>
         <p:nvPicPr>
-          <p:cNvPr id="38" name="Imagen 37">
+          <p:cNvPr id="18" name="Imagen 17">
             <a:extLst>
               <a:ext uri="{FF2B5EF4-FFF2-40B4-BE49-F238E27FC236}">
-                <a16:creationId xmlns:a16="http://schemas.microsoft.com/office/drawing/2014/main" id="{6286BA83-1331-4607-A514-6A7126E17B69}"/>
+                <a16:creationId xmlns:a16="http://schemas.microsoft.com/office/drawing/2014/main" id="{3EFC8083-AE76-49EF-8526-097ECE81018F}"/>
               </a:ext>
             </a:extLst>
           </p:cNvPr>
@@ -25841,8 +25871,8 @@
         </p:blipFill>
         <p:spPr>
           <a:xfrm>
-            <a:off x="8892861" y="5034166"/>
-            <a:ext cx="2327347" cy="861980"/>
+            <a:off x="5003367" y="4755776"/>
+            <a:ext cx="2647327" cy="601665"/>
           </a:xfrm>
           <a:prstGeom prst="rect">
             <a:avLst/>
@@ -25851,10 +25881,10 @@
       </p:pic>
       <p:pic>
         <p:nvPicPr>
-          <p:cNvPr id="39" name="Imagen 38">
+          <p:cNvPr id="19" name="Imagen 18">
             <a:extLst>
               <a:ext uri="{FF2B5EF4-FFF2-40B4-BE49-F238E27FC236}">
-                <a16:creationId xmlns:a16="http://schemas.microsoft.com/office/drawing/2014/main" id="{C38881CE-ACE0-4F86-BDCB-651601AB78BD}"/>
+                <a16:creationId xmlns:a16="http://schemas.microsoft.com/office/drawing/2014/main" id="{DFE1F38C-47B2-4485-91B1-E87D12B8A4A8}"/>
               </a:ext>
             </a:extLst>
           </p:cNvPr>
@@ -25871,8 +25901,8 @@
         </p:blipFill>
         <p:spPr>
           <a:xfrm>
-            <a:off x="5022998" y="5313055"/>
-            <a:ext cx="2647327" cy="601665"/>
+            <a:off x="1025219" y="3037343"/>
+            <a:ext cx="2594132" cy="800532"/>
           </a:xfrm>
           <a:prstGeom prst="rect">
             <a:avLst/>
@@ -25881,10 +25911,10 @@
       </p:pic>
       <p:pic>
         <p:nvPicPr>
-          <p:cNvPr id="40" name="Imagen 39">
+          <p:cNvPr id="20" name="Imagen 19">
             <a:extLst>
               <a:ext uri="{FF2B5EF4-FFF2-40B4-BE49-F238E27FC236}">
-                <a16:creationId xmlns:a16="http://schemas.microsoft.com/office/drawing/2014/main" id="{4F953C2C-6DFB-43C8-882C-B32DB0BB29D6}"/>
+                <a16:creationId xmlns:a16="http://schemas.microsoft.com/office/drawing/2014/main" id="{6155E075-3841-4561-AD84-2F729AA037BD}"/>
               </a:ext>
             </a:extLst>
           </p:cNvPr>
@@ -25901,8 +25931,38 @@
         </p:blipFill>
         <p:spPr>
           <a:xfrm>
-            <a:off x="941074" y="4020721"/>
-            <a:ext cx="2594132" cy="800532"/>
+            <a:off x="9010948" y="5213153"/>
+            <a:ext cx="2391743" cy="824551"/>
+          </a:xfrm>
+          <a:prstGeom prst="rect">
+            <a:avLst/>
+          </a:prstGeom>
+        </p:spPr>
+      </p:pic>
+      <p:pic>
+        <p:nvPicPr>
+          <p:cNvPr id="21" name="Imagen 20">
+            <a:extLst>
+              <a:ext uri="{FF2B5EF4-FFF2-40B4-BE49-F238E27FC236}">
+                <a16:creationId xmlns:a16="http://schemas.microsoft.com/office/drawing/2014/main" id="{970C8082-3B47-4C05-98CF-1C7EF1711AC4}"/>
+              </a:ext>
+            </a:extLst>
+          </p:cNvPr>
+          <p:cNvPicPr>
+            <a:picLocks noChangeAspect="1"/>
+          </p:cNvPicPr>
+          <p:nvPr userDrawn="1"/>
+        </p:nvPicPr>
+        <p:blipFill>
+          <a:blip r:embed="rId16"/>
+          <a:stretch>
+            <a:fillRect/>
+          </a:stretch>
+        </p:blipFill>
+        <p:spPr>
+          <a:xfrm>
+            <a:off x="4831769" y="3336406"/>
+            <a:ext cx="2964216" cy="912066"/>
           </a:xfrm>
           <a:prstGeom prst="rect">
             <a:avLst/>
@@ -45224,6 +45284,15 @@
 </file>
 
 <file path=customXml/item1.xml><?xml version="1.0" encoding="utf-8"?>
+<?mso-contentType ?>
+<FormTemplates xmlns="http://schemas.microsoft.com/sharepoint/v3/contenttype/forms">
+  <Display>DocumentLibraryForm</Display>
+  <Edit>DocumentLibraryForm</Edit>
+  <New>DocumentLibraryForm</New>
+</FormTemplates>
+</file>
+
+<file path=customXml/item2.xml><?xml version="1.0" encoding="utf-8"?>
 <p:properties xmlns:p="http://schemas.microsoft.com/office/2006/metadata/properties" xmlns:xsi="http://www.w3.org/2001/XMLSchema-instance" xmlns:pc="http://schemas.microsoft.com/office/infopath/2007/PartnerControls">
   <documentManagement>
     <_ip_UnifiedCompliancePolicyUIAction xmlns="http://schemas.microsoft.com/sharepoint/v3" xsi:nil="true"/>
@@ -45285,7 +45354,7 @@
 </p:properties>
 </file>
 
-<file path=customXml/item2.xml><?xml version="1.0" encoding="utf-8"?>
+<file path=customXml/item3.xml><?xml version="1.0" encoding="utf-8"?>
 <ct:contentTypeSchema xmlns:ct="http://schemas.microsoft.com/office/2006/metadata/contentType" xmlns:ma="http://schemas.microsoft.com/office/2006/metadata/properties/metaAttributes" ct:_="" ma:_="" ma:contentTypeName="PresentationsDoc" ma:contentTypeID="0x010100606EF5350B4AC34299E527B9221D6B5E001A2DF7EB5935C14F830206357EC2322C" ma:contentTypeVersion="34" ma:contentTypeDescription="" ma:contentTypeScope="" ma:versionID="b48d6a27735be7714bdd88c81c28b068">
   <xsd:schema xmlns:xsd="http://www.w3.org/2001/XMLSchema" xmlns:xs="http://www.w3.org/2001/XMLSchema" xmlns:p="http://schemas.microsoft.com/office/2006/metadata/properties" xmlns:ns1="http://schemas.microsoft.com/sharepoint/v3" xmlns:ns2="5a4b3278-325d-441a-b38f-6f1926bc734e" xmlns:ns3="230e9df3-be65-4c73-a93b-d1236ebd677e" xmlns:ns5="9d1f81f6-e953-47ea-988e-33ed651c58e6" targetNamespace="http://schemas.microsoft.com/office/2006/metadata/properties" ma:root="true" ma:fieldsID="61aa76b7b235bae3242d4a7e9080af88" ns1:_="" ns2:_="" ns3:_="" ns5:_="">
     <xsd:import namespace="http://schemas.microsoft.com/sharepoint/v3"/>
@@ -45706,16 +45775,15 @@
 </ct:contentTypeSchema>
 </file>
 
-<file path=customXml/item3.xml><?xml version="1.0" encoding="utf-8"?>
-<?mso-contentType ?>
-<FormTemplates xmlns="http://schemas.microsoft.com/sharepoint/v3/contenttype/forms">
-  <Display>DocumentLibraryForm</Display>
-  <Edit>DocumentLibraryForm</Edit>
-  <New>DocumentLibraryForm</New>
-</FormTemplates>
+<file path=customXml/itemProps1.xml><?xml version="1.0" encoding="utf-8"?>
+<ds:datastoreItem xmlns:ds="http://schemas.openxmlformats.org/officeDocument/2006/customXml" ds:itemID="{758FDAC0-319D-4A54-8D8E-1D42CB1F8004}">
+  <ds:schemaRefs>
+    <ds:schemaRef ds:uri="http://schemas.microsoft.com/sharepoint/v3/contenttype/forms"/>
+  </ds:schemaRefs>
+</ds:datastoreItem>
 </file>
 
-<file path=customXml/itemProps1.xml><?xml version="1.0" encoding="utf-8"?>
+<file path=customXml/itemProps2.xml><?xml version="1.0" encoding="utf-8"?>
 <ds:datastoreItem xmlns:ds="http://schemas.openxmlformats.org/officeDocument/2006/customXml" ds:itemID="{F990F116-B58F-4255-B05B-DA3808E0E5C6}">
   <ds:schemaRefs>
     <ds:schemaRef ds:uri="12239fb0-26c0-4a37-b790-6c81fba9d0fc"/>
@@ -45736,7 +45804,7 @@
 </ds:datastoreItem>
 </file>
 
-<file path=customXml/itemProps2.xml><?xml version="1.0" encoding="utf-8"?>
+<file path=customXml/itemProps3.xml><?xml version="1.0" encoding="utf-8"?>
 <ds:datastoreItem xmlns:ds="http://schemas.openxmlformats.org/officeDocument/2006/customXml" ds:itemID="{625FD152-D4B9-485B-9213-BB78FF8ABCB4}">
   <ds:schemaRefs>
     <ds:schemaRef ds:uri="http://schemas.microsoft.com/office/2006/metadata/contentType"/>
@@ -45755,12 +45823,4 @@
     <ds:schemaRef ds:uri="http://schemas.microsoft.com/internal/obd"/>
   </ds:schemaRefs>
 </ds:datastoreItem>
-</file>
-
-<file path=customXml/itemProps3.xml><?xml version="1.0" encoding="utf-8"?>
-<ds:datastoreItem xmlns:ds="http://schemas.openxmlformats.org/officeDocument/2006/customXml" ds:itemID="{758FDAC0-319D-4A54-8D8E-1D42CB1F8004}">
-  <ds:schemaRefs>
-    <ds:schemaRef ds:uri="http://schemas.microsoft.com/sharepoint/v3/contenttype/forms"/>
-  </ds:schemaRefs>
-</ds:datastoreItem>
 </file>